--- a/Presentation.pptx
+++ b/Presentation.pptx
@@ -121,6 +121,133 @@
 </p:presentation>
 </file>
 
+<file path=ppt/revisionInfo.xml><?xml version="1.0" encoding="utf-8"?>
+<p1510:revInfo xmlns:a="http://schemas.openxmlformats.org/drawingml/2006/main" xmlns:r="http://schemas.openxmlformats.org/officeDocument/2006/relationships" xmlns:p1510="http://schemas.microsoft.com/office/powerpoint/2015/10/main">
+  <p1510:revLst>
+    <p1510:client id="{862F2781-8E79-4826-BC6B-B33681697CFD}" v="103" dt="2024-04-20T21:01:51.402"/>
+  </p1510:revLst>
+</p1510:revInfo>
+</file>
+
+<file path=ppt/changesInfos/changesInfo1.xml><?xml version="1.0" encoding="utf-8"?>
+<pc:chgInfo xmlns:a="http://schemas.openxmlformats.org/drawingml/2006/main" xmlns:r="http://schemas.openxmlformats.org/officeDocument/2006/relationships" xmlns:ac="http://schemas.microsoft.com/office/drawing/2013/main/command" xmlns:pc="http://schemas.microsoft.com/office/powerpoint/2013/main/command">
+  <pc:docChgLst>
+    <pc:chgData name="Bhanu Chandrika" userId="e893ba3b55c1c2c9" providerId="LiveId" clId="{862F2781-8E79-4826-BC6B-B33681697CFD}"/>
+    <pc:docChg chg="custSel modSld">
+      <pc:chgData name="Bhanu Chandrika" userId="e893ba3b55c1c2c9" providerId="LiveId" clId="{862F2781-8E79-4826-BC6B-B33681697CFD}" dt="2024-04-20T21:01:51.402" v="271" actId="20577"/>
+      <pc:docMkLst>
+        <pc:docMk/>
+      </pc:docMkLst>
+      <pc:sldChg chg="modSp mod">
+        <pc:chgData name="Bhanu Chandrika" userId="e893ba3b55c1c2c9" providerId="LiveId" clId="{862F2781-8E79-4826-BC6B-B33681697CFD}" dt="2024-04-20T20:59:13.725" v="74" actId="20577"/>
+        <pc:sldMkLst>
+          <pc:docMk/>
+          <pc:sldMk cId="3233083017" sldId="256"/>
+        </pc:sldMkLst>
+        <pc:spChg chg="mod">
+          <ac:chgData name="Bhanu Chandrika" userId="e893ba3b55c1c2c9" providerId="LiveId" clId="{862F2781-8E79-4826-BC6B-B33681697CFD}" dt="2024-04-20T20:59:13.725" v="74" actId="20577"/>
+          <ac:spMkLst>
+            <pc:docMk/>
+            <pc:sldMk cId="3233083017" sldId="256"/>
+            <ac:spMk id="2" creationId="{CA3C6910-2497-8374-5042-0D0BA54EBD7E}"/>
+          </ac:spMkLst>
+        </pc:spChg>
+      </pc:sldChg>
+      <pc:sldChg chg="modSp mod">
+        <pc:chgData name="Bhanu Chandrika" userId="e893ba3b55c1c2c9" providerId="LiveId" clId="{862F2781-8E79-4826-BC6B-B33681697CFD}" dt="2024-04-17T13:33:46.655" v="43" actId="5793"/>
+        <pc:sldMkLst>
+          <pc:docMk/>
+          <pc:sldMk cId="61639884" sldId="257"/>
+        </pc:sldMkLst>
+        <pc:spChg chg="mod">
+          <ac:chgData name="Bhanu Chandrika" userId="e893ba3b55c1c2c9" providerId="LiveId" clId="{862F2781-8E79-4826-BC6B-B33681697CFD}" dt="2024-04-17T13:33:46.655" v="43" actId="5793"/>
+          <ac:spMkLst>
+            <pc:docMk/>
+            <pc:sldMk cId="61639884" sldId="257"/>
+            <ac:spMk id="3" creationId="{9467A123-BADA-162B-9AFA-8E3D5F081005}"/>
+          </ac:spMkLst>
+        </pc:spChg>
+      </pc:sldChg>
+      <pc:sldChg chg="modSp">
+        <pc:chgData name="Bhanu Chandrika" userId="e893ba3b55c1c2c9" providerId="LiveId" clId="{862F2781-8E79-4826-BC6B-B33681697CFD}" dt="2024-04-20T21:01:51.402" v="271" actId="20577"/>
+        <pc:sldMkLst>
+          <pc:docMk/>
+          <pc:sldMk cId="3842385638" sldId="258"/>
+        </pc:sldMkLst>
+        <pc:graphicFrameChg chg="mod">
+          <ac:chgData name="Bhanu Chandrika" userId="e893ba3b55c1c2c9" providerId="LiveId" clId="{862F2781-8E79-4826-BC6B-B33681697CFD}" dt="2024-04-20T21:01:51.402" v="271" actId="20577"/>
+          <ac:graphicFrameMkLst>
+            <pc:docMk/>
+            <pc:sldMk cId="3842385638" sldId="258"/>
+            <ac:graphicFrameMk id="9" creationId="{85CE77B0-233B-B4E2-76A6-8A836AE092B9}"/>
+          </ac:graphicFrameMkLst>
+        </pc:graphicFrameChg>
+      </pc:sldChg>
+      <pc:sldChg chg="modSp mod">
+        <pc:chgData name="Bhanu Chandrika" userId="e893ba3b55c1c2c9" providerId="LiveId" clId="{862F2781-8E79-4826-BC6B-B33681697CFD}" dt="2024-04-20T20:59:34.051" v="103" actId="20577"/>
+        <pc:sldMkLst>
+          <pc:docMk/>
+          <pc:sldMk cId="3936280233" sldId="259"/>
+        </pc:sldMkLst>
+        <pc:spChg chg="mod">
+          <ac:chgData name="Bhanu Chandrika" userId="e893ba3b55c1c2c9" providerId="LiveId" clId="{862F2781-8E79-4826-BC6B-B33681697CFD}" dt="2024-04-20T20:59:34.051" v="103" actId="20577"/>
+          <ac:spMkLst>
+            <pc:docMk/>
+            <pc:sldMk cId="3936280233" sldId="259"/>
+            <ac:spMk id="3" creationId="{A4EBFD8E-0F13-C9B1-099C-5C1E8D435C5D}"/>
+          </ac:spMkLst>
+        </pc:spChg>
+      </pc:sldChg>
+      <pc:sldChg chg="modSp mod">
+        <pc:chgData name="Bhanu Chandrika" userId="e893ba3b55c1c2c9" providerId="LiveId" clId="{862F2781-8E79-4826-BC6B-B33681697CFD}" dt="2024-04-20T20:59:59.976" v="143" actId="20577"/>
+        <pc:sldMkLst>
+          <pc:docMk/>
+          <pc:sldMk cId="3510519039" sldId="261"/>
+        </pc:sldMkLst>
+        <pc:spChg chg="mod">
+          <ac:chgData name="Bhanu Chandrika" userId="e893ba3b55c1c2c9" providerId="LiveId" clId="{862F2781-8E79-4826-BC6B-B33681697CFD}" dt="2024-04-20T20:59:59.976" v="143" actId="20577"/>
+          <ac:spMkLst>
+            <pc:docMk/>
+            <pc:sldMk cId="3510519039" sldId="261"/>
+            <ac:spMk id="3" creationId="{A4EBFD8E-0F13-C9B1-099C-5C1E8D435C5D}"/>
+          </ac:spMkLst>
+        </pc:spChg>
+      </pc:sldChg>
+      <pc:sldChg chg="modSp">
+        <pc:chgData name="Bhanu Chandrika" userId="e893ba3b55c1c2c9" providerId="LiveId" clId="{862F2781-8E79-4826-BC6B-B33681697CFD}" dt="2024-04-20T21:00:36.381" v="211" actId="20577"/>
+        <pc:sldMkLst>
+          <pc:docMk/>
+          <pc:sldMk cId="2377977696" sldId="262"/>
+        </pc:sldMkLst>
+        <pc:graphicFrameChg chg="mod">
+          <ac:chgData name="Bhanu Chandrika" userId="e893ba3b55c1c2c9" providerId="LiveId" clId="{862F2781-8E79-4826-BC6B-B33681697CFD}" dt="2024-04-20T21:00:36.381" v="211" actId="20577"/>
+          <ac:graphicFrameMkLst>
+            <pc:docMk/>
+            <pc:sldMk cId="2377977696" sldId="262"/>
+            <ac:graphicFrameMk id="13" creationId="{67BC3DF6-3837-3654-B63A-4AF17E601E8D}"/>
+          </ac:graphicFrameMkLst>
+        </pc:graphicFrameChg>
+      </pc:sldChg>
+      <pc:sldChg chg="modSp mod">
+        <pc:chgData name="Bhanu Chandrika" userId="e893ba3b55c1c2c9" providerId="LiveId" clId="{862F2781-8E79-4826-BC6B-B33681697CFD}" dt="2024-04-20T21:01:22.708" v="241" actId="20577"/>
+        <pc:sldMkLst>
+          <pc:docMk/>
+          <pc:sldMk cId="3397420126" sldId="266"/>
+        </pc:sldMkLst>
+        <pc:spChg chg="mod">
+          <ac:chgData name="Bhanu Chandrika" userId="e893ba3b55c1c2c9" providerId="LiveId" clId="{862F2781-8E79-4826-BC6B-B33681697CFD}" dt="2024-04-20T21:01:22.708" v="241" actId="20577"/>
+          <ac:spMkLst>
+            <pc:docMk/>
+            <pc:sldMk cId="3397420126" sldId="266"/>
+            <ac:spMk id="4" creationId="{5A8B001E-B001-EFC2-965D-7B4986AAEF15}"/>
+          </ac:spMkLst>
+        </pc:spChg>
+      </pc:sldChg>
+    </pc:docChg>
+  </pc:docChgLst>
+</pc:chgInfo>
+</file>
+
 <file path=ppt/diagrams/colors1.xml><?xml version="1.0" encoding="utf-8"?>
 <dgm:colorsDef xmlns:dgm="http://schemas.openxmlformats.org/drawingml/2006/diagram" xmlns:a="http://schemas.openxmlformats.org/drawingml/2006/main" uniqueId="urn:microsoft.com/office/officeart/2018/5/colors/Iconchunking_neutralbg_colorful2">
   <dgm:title val=""/>
@@ -2496,12 +2623,8 @@
             </a:lnSpc>
           </a:pPr>
           <a:r>
-            <a:rPr lang="en-US" b="1" dirty="0" err="1"/>
-            <a:t>Athinarapu</a:t>
-          </a:r>
-          <a:r>
             <a:rPr lang="en-US" b="1" dirty="0"/>
-            <a:t> Raju Sagar</a:t>
+            <a:t>Athinarapu Raju Sagar</a:t>
           </a:r>
           <a:br>
             <a:rPr lang="en-US" dirty="0"/>
@@ -2553,19 +2676,23 @@
             </a:lnSpc>
           </a:pPr>
           <a:r>
-            <a:rPr lang="en-US" b="1" dirty="0" err="1"/>
-            <a:t>Lakkimsetti</a:t>
-          </a:r>
-          <a:r>
             <a:rPr lang="en-US" b="1" dirty="0"/>
-            <a:t> Bhanu Chandrika</a:t>
+            <a:t>Lakkimsetti Bhanu Chandrika</a:t>
           </a:r>
           <a:br>
             <a:rPr lang="en-US" dirty="0"/>
           </a:br>
           <a:r>
             <a:rPr lang="en-US" dirty="0"/>
-            <a:t>Model development and training. Led the creation and training of the GRU model, implementing machine learning algorithms to forecast traffic congestion.</a:t>
+            <a:t>Model development and training. Led the creation and training of the GRU model, implementing </a:t>
+          </a:r>
+          <a:r>
+            <a:rPr lang="en-US"/>
+            <a:t>neural network </a:t>
+          </a:r>
+          <a:r>
+            <a:rPr lang="en-US" dirty="0"/>
+            <a:t>algorithms to forecast traffic congestion.</a:t>
           </a:r>
         </a:p>
       </dgm:t>
@@ -2610,16 +2737,8 @@
             </a:lnSpc>
           </a:pPr>
           <a:r>
-            <a:rPr lang="en-US" b="1" dirty="0" err="1"/>
-            <a:t>Manasa</a:t>
-          </a:r>
-          <a:r>
             <a:rPr lang="en-US" b="1" dirty="0"/>
-            <a:t> </a:t>
-          </a:r>
-          <a:r>
-            <a:rPr lang="en-US" b="1" dirty="0" err="1"/>
-            <a:t>Vathumilli</a:t>
+            <a:t>Manasa Vathumilli</a:t>
           </a:r>
           <a:br>
             <a:rPr lang="en-US" dirty="0"/>
@@ -2671,16 +2790,8 @@
             </a:lnSpc>
           </a:pPr>
           <a:r>
-            <a:rPr lang="en-US" b="1" dirty="0" err="1"/>
-            <a:t>Eekshitha</a:t>
-          </a:r>
-          <a:r>
             <a:rPr lang="en-US" b="1" dirty="0"/>
-            <a:t> </a:t>
-          </a:r>
-          <a:r>
-            <a:rPr lang="en-US" b="1" dirty="0" err="1"/>
-            <a:t>Gujjala</a:t>
+            <a:t>Eekshitha Gujjala</a:t>
           </a:r>
           <a:br>
             <a:rPr lang="en-US" dirty="0"/>
@@ -2980,7 +3091,7 @@
 <dgm:dataModel xmlns:dgm="http://schemas.openxmlformats.org/drawingml/2006/diagram" xmlns:a="http://schemas.openxmlformats.org/drawingml/2006/main">
   <dgm:ptLst>
     <dgm:pt modelId="{98BC4CB6-2BD8-4653-8E9B-17FC7F7ABAE6}" type="doc">
-      <dgm:prSet loTypeId="urn:microsoft.com/office/officeart/2005/8/layout/list1" loCatId="list" qsTypeId="urn:microsoft.com/office/officeart/2005/8/quickstyle/simple1" qsCatId="simple" csTypeId="urn:microsoft.com/office/officeart/2005/8/colors/colorful2" csCatId="colorful"/>
+      <dgm:prSet loTypeId="urn:microsoft.com/office/officeart/2005/8/layout/list1" loCatId="list" qsTypeId="urn:microsoft.com/office/officeart/2005/8/quickstyle/simple1" qsCatId="simple" csTypeId="urn:microsoft.com/office/officeart/2005/8/colors/colorful2" csCatId="colorful" phldr="1"/>
       <dgm:spPr/>
       <dgm:t>
         <a:bodyPr/>
@@ -3071,8 +3182,8 @@
         <a:lstStyle/>
         <a:p>
           <a:r>
-            <a:rPr lang="en-US"/>
-            <a:t>Recent trends show promising results by combining machine learning algorithms with traditional traffic management systems to improve accuracy and responsiveness.</a:t>
+            <a:rPr lang="en-US" dirty="0"/>
+            <a:t>Recent trends show promising results by combining neural network algorithms with traditional traffic management systems to improve accuracy and responsiveness.</a:t>
           </a:r>
         </a:p>
       </dgm:t>
@@ -3180,8 +3291,8 @@
         <a:lstStyle/>
         <a:p>
           <a:r>
-            <a:rPr lang="en-US"/>
-            <a:t>Studies showing integration of machine learning in traffic systems enhancing prediction accuracy and management flexibility.</a:t>
+            <a:rPr lang="en-US" dirty="0"/>
+            <a:t>Studies showing integration of neural network in traffic systems enhancing prediction accuracy and management flexibility.</a:t>
           </a:r>
         </a:p>
       </dgm:t>
@@ -3284,10 +3395,10 @@
   <dgm:cxnLst>
     <dgm:cxn modelId="{F03ACF0D-AAF2-4C14-BFB8-C12AB2741961}" srcId="{A97C8EC7-7737-4EBD-895D-6B4851447182}" destId="{5DB716B2-8C7D-415A-BF13-07ADB25C6977}" srcOrd="0" destOrd="0" parTransId="{F5959925-7738-45F7-962B-5B4BE58C759C}" sibTransId="{15516CC1-BBF7-4403-BC1B-902C5694D4D2}"/>
     <dgm:cxn modelId="{9823902E-DE96-471D-B891-C8509036E3A6}" srcId="{98BC4CB6-2BD8-4653-8E9B-17FC7F7ABAE6}" destId="{30A3F6E1-EE8A-4BE8-A7C3-572837F9D2C2}" srcOrd="0" destOrd="0" parTransId="{2D733AB4-96A4-4C88-8138-BA3CE9BC4254}" sibTransId="{9A83DC29-6B17-4038-92E6-02C5A1B82CB6}"/>
+    <dgm:cxn modelId="{9DC42A5B-FBAD-0849-B82F-C0B62390F410}" type="presOf" srcId="{A97C8EC7-7737-4EBD-895D-6B4851447182}" destId="{A091B632-E6CD-1047-81E8-F78E3DE39E6B}" srcOrd="1" destOrd="0" presId="urn:microsoft.com/office/officeart/2005/8/layout/list1"/>
     <dgm:cxn modelId="{9B21C046-FF81-A14E-B18F-A12841C2294E}" type="presOf" srcId="{30A3F6E1-EE8A-4BE8-A7C3-572837F9D2C2}" destId="{2F297050-5E28-E74C-A08B-10DEC4E1CA49}" srcOrd="0" destOrd="0" presId="urn:microsoft.com/office/officeart/2005/8/layout/list1"/>
+    <dgm:cxn modelId="{91A0DF73-1197-A248-8045-D5F36E950939}" type="presOf" srcId="{30A3F6E1-EE8A-4BE8-A7C3-572837F9D2C2}" destId="{459B8B9F-F31E-EF4D-B816-1F51215DAC75}" srcOrd="1" destOrd="0" presId="urn:microsoft.com/office/officeart/2005/8/layout/list1"/>
     <dgm:cxn modelId="{240CBA55-5358-CE45-923C-63B8A8CCE81F}" type="presOf" srcId="{5680DEC9-7D8C-4F88-B879-0987E8DD447B}" destId="{DFAB1A7D-70BF-2B44-95B7-5D26B97889C4}" srcOrd="0" destOrd="1" presId="urn:microsoft.com/office/officeart/2005/8/layout/list1"/>
-    <dgm:cxn modelId="{9DC42A5B-FBAD-0849-B82F-C0B62390F410}" type="presOf" srcId="{A97C8EC7-7737-4EBD-895D-6B4851447182}" destId="{A091B632-E6CD-1047-81E8-F78E3DE39E6B}" srcOrd="1" destOrd="0" presId="urn:microsoft.com/office/officeart/2005/8/layout/list1"/>
-    <dgm:cxn modelId="{91A0DF73-1197-A248-8045-D5F36E950939}" type="presOf" srcId="{30A3F6E1-EE8A-4BE8-A7C3-572837F9D2C2}" destId="{459B8B9F-F31E-EF4D-B816-1F51215DAC75}" srcOrd="1" destOrd="0" presId="urn:microsoft.com/office/officeart/2005/8/layout/list1"/>
     <dgm:cxn modelId="{94D2A282-CAE3-4308-A6CD-496428679F58}" srcId="{A97C8EC7-7737-4EBD-895D-6B4851447182}" destId="{5680DEC9-7D8C-4F88-B879-0987E8DD447B}" srcOrd="1" destOrd="0" parTransId="{67F43E6A-ECD6-4142-B1B7-5BF1BD0321F6}" sibTransId="{A79CE80B-F7B9-418C-A2C8-5A57505DDDC3}"/>
     <dgm:cxn modelId="{7A4F6488-B4E4-F543-93E9-465717FF0642}" type="presOf" srcId="{FB7EA4C4-E017-4DD8-8514-08ACF2003F4B}" destId="{6654AC70-64D2-494F-8C5C-CE28D74066F2}" srcOrd="0" destOrd="0" presId="urn:microsoft.com/office/officeart/2005/8/layout/list1"/>
     <dgm:cxn modelId="{4310F48F-2903-4F98-9EF4-FBC64D8E4E8B}" srcId="{98BC4CB6-2BD8-4653-8E9B-17FC7F7ABAE6}" destId="{A97C8EC7-7737-4EBD-895D-6B4851447182}" srcOrd="1" destOrd="0" parTransId="{3B35AC26-C8D1-4589-B5F2-1C45380500B7}" sibTransId="{DC472E3A-8B62-4473-A9AB-0682B34CDE22}"/>
@@ -3644,10 +3755,10 @@
     <dgm:cxn modelId="{D35FEC2E-1954-42AF-A73F-434F28B6DF94}" srcId="{2973A6EE-81DA-41F0-9A60-071F0A788E8C}" destId="{346AFDAC-A2D1-495F-A400-3564085B5A9C}" srcOrd="0" destOrd="0" parTransId="{A1E7B359-D3A3-4C7E-80DF-7DFC36CBE670}" sibTransId="{C0CAA502-C7C5-4D62-A31C-EC2F49A1CC3E}"/>
     <dgm:cxn modelId="{123DCB35-98C5-413D-95AF-6C010169AB60}" srcId="{78E372F9-C4E0-41EF-8BFA-08AC23DA203B}" destId="{2D6CBA1F-C0EF-41D6-AC01-FB837FEF82B8}" srcOrd="2" destOrd="0" parTransId="{5CC182D7-72FD-4080-BA3D-894558603C9D}" sibTransId="{B51A9CAA-E65B-41B4-9F2F-6C8EEF08261C}"/>
     <dgm:cxn modelId="{CA172737-1B32-4287-BAC5-CF07AAAC8193}" srcId="{2973A6EE-81DA-41F0-9A60-071F0A788E8C}" destId="{44DD3AF7-9160-43DD-AB95-D0704C41BFD3}" srcOrd="1" destOrd="0" parTransId="{E9C922E3-E41E-4F2E-A3F9-39DA89EF16D2}" sibTransId="{2A4660F0-A58C-49E7-ABC5-5670DD42067A}"/>
+    <dgm:cxn modelId="{D89FD761-6133-2445-90EF-F3DE4AA45BA0}" type="presOf" srcId="{071AA18C-883E-485A-9303-F4AE08B84F5B}" destId="{16E6F046-8B41-B048-B032-497A69C9DD15}" srcOrd="0" destOrd="0" presId="urn:microsoft.com/office/officeart/2005/8/layout/vList2"/>
     <dgm:cxn modelId="{F7C16443-BAE0-4D5A-9B5F-8733272BD2ED}" srcId="{78E372F9-C4E0-41EF-8BFA-08AC23DA203B}" destId="{8D454FBB-DEA6-4EFF-87A4-0E3A079BF0AB}" srcOrd="0" destOrd="0" parTransId="{4894E06C-7098-4110-928C-BD9F42E13634}" sibTransId="{F5A1E106-21F5-4940-B23F-DD861C3149DD}"/>
     <dgm:cxn modelId="{32A4B14D-F432-47A0-ADCE-F9750A491BCF}" srcId="{071AA18C-883E-485A-9303-F4AE08B84F5B}" destId="{2973A6EE-81DA-41F0-9A60-071F0A788E8C}" srcOrd="1" destOrd="0" parTransId="{FC3CD047-CFB9-4948-9A60-E51D418DED10}" sibTransId="{9AACC0DE-85CA-4CC8-9535-A090DFFB8E5F}"/>
     <dgm:cxn modelId="{7E194459-41B2-4AD8-A090-423E30247887}" srcId="{071AA18C-883E-485A-9303-F4AE08B84F5B}" destId="{78E372F9-C4E0-41EF-8BFA-08AC23DA203B}" srcOrd="0" destOrd="0" parTransId="{D179633F-82B0-4F6B-AC72-58929E23FB63}" sibTransId="{65EB22F8-88ED-4042-8345-F5E4A41F2A10}"/>
-    <dgm:cxn modelId="{D89FD761-6133-2445-90EF-F3DE4AA45BA0}" type="presOf" srcId="{071AA18C-883E-485A-9303-F4AE08B84F5B}" destId="{16E6F046-8B41-B048-B032-497A69C9DD15}" srcOrd="0" destOrd="0" presId="urn:microsoft.com/office/officeart/2005/8/layout/vList2"/>
     <dgm:cxn modelId="{DCBBA4A5-42AB-F945-86CB-E5FFB75E2100}" type="presOf" srcId="{8D454FBB-DEA6-4EFF-87A4-0E3A079BF0AB}" destId="{56C7F534-2022-994A-8BAE-C55FCDA360CD}" srcOrd="0" destOrd="0" presId="urn:microsoft.com/office/officeart/2005/8/layout/vList2"/>
     <dgm:cxn modelId="{8B0436E6-83CF-6B44-8A63-3EA0D201DEDD}" type="presOf" srcId="{346AFDAC-A2D1-495F-A400-3564085B5A9C}" destId="{CA249FD6-126A-7D42-B2F8-84E4CE4457D5}" srcOrd="0" destOrd="0" presId="urn:microsoft.com/office/officeart/2005/8/layout/vList2"/>
     <dgm:cxn modelId="{88162BF5-45CA-0148-95B3-1037FEF341B4}" type="presOf" srcId="{DE4146D0-4709-43FA-96A6-11844D534A9D}" destId="{56C7F534-2022-994A-8BAE-C55FCDA360CD}" srcOrd="0" destOrd="1" presId="urn:microsoft.com/office/officeart/2005/8/layout/vList2"/>
@@ -3817,12 +3928,8 @@
             <a:buNone/>
           </a:pPr>
           <a:r>
-            <a:rPr lang="en-US" sz="1400" b="1" kern="1200" dirty="0" err="1"/>
-            <a:t>Athinarapu</a:t>
-          </a:r>
-          <a:r>
             <a:rPr lang="en-US" sz="1400" b="1" kern="1200" dirty="0"/>
-            <a:t> Raju Sagar</a:t>
+            <a:t>Athinarapu Raju Sagar</a:t>
           </a:r>
           <a:br>
             <a:rPr lang="en-US" sz="1400" kern="1200" dirty="0"/>
@@ -3980,19 +4087,23 @@
             <a:buNone/>
           </a:pPr>
           <a:r>
-            <a:rPr lang="en-US" sz="1400" b="1" kern="1200" dirty="0" err="1"/>
-            <a:t>Lakkimsetti</a:t>
-          </a:r>
-          <a:r>
             <a:rPr lang="en-US" sz="1400" b="1" kern="1200" dirty="0"/>
-            <a:t> Bhanu Chandrika</a:t>
+            <a:t>Lakkimsetti Bhanu Chandrika</a:t>
           </a:r>
           <a:br>
             <a:rPr lang="en-US" sz="1400" kern="1200" dirty="0"/>
           </a:br>
           <a:r>
             <a:rPr lang="en-US" sz="1400" kern="1200" dirty="0"/>
-            <a:t>Model development and training. Led the creation and training of the GRU model, implementing machine learning algorithms to forecast traffic congestion.</a:t>
+            <a:t>Model development and training. Led the creation and training of the GRU model, implementing </a:t>
+          </a:r>
+          <a:r>
+            <a:rPr lang="en-US" sz="1400" kern="1200"/>
+            <a:t>neural network </a:t>
+          </a:r>
+          <a:r>
+            <a:rPr lang="en-US" sz="1400" kern="1200" dirty="0"/>
+            <a:t>algorithms to forecast traffic congestion.</a:t>
           </a:r>
         </a:p>
       </dsp:txBody>
@@ -4143,16 +4254,8 @@
             <a:buNone/>
           </a:pPr>
           <a:r>
-            <a:rPr lang="en-US" sz="1400" b="1" kern="1200" dirty="0" err="1"/>
-            <a:t>Manasa</a:t>
-          </a:r>
-          <a:r>
             <a:rPr lang="en-US" sz="1400" b="1" kern="1200" dirty="0"/>
-            <a:t> </a:t>
-          </a:r>
-          <a:r>
-            <a:rPr lang="en-US" sz="1400" b="1" kern="1200" dirty="0" err="1"/>
-            <a:t>Vathumilli</a:t>
+            <a:t>Manasa Vathumilli</a:t>
           </a:r>
           <a:br>
             <a:rPr lang="en-US" sz="1400" kern="1200" dirty="0"/>
@@ -4310,16 +4413,8 @@
             <a:buNone/>
           </a:pPr>
           <a:r>
-            <a:rPr lang="en-US" sz="1400" b="1" kern="1200" dirty="0" err="1"/>
-            <a:t>Eekshitha</a:t>
-          </a:r>
-          <a:r>
             <a:rPr lang="en-US" sz="1400" b="1" kern="1200" dirty="0"/>
-            <a:t> </a:t>
-          </a:r>
-          <a:r>
-            <a:rPr lang="en-US" sz="1400" b="1" kern="1200" dirty="0" err="1"/>
-            <a:t>Gujjala</a:t>
+            <a:t>Eekshitha Gujjala</a:t>
           </a:r>
           <a:br>
             <a:rPr lang="en-US" sz="1400" kern="1200" dirty="0"/>
@@ -4432,8 +4527,8 @@
             <a:buChar char="•"/>
           </a:pPr>
           <a:r>
-            <a:rPr lang="en-US" sz="1900" kern="1200"/>
-            <a:t>Recent trends show promising results by combining machine learning algorithms with traditional traffic management systems to improve accuracy and responsiveness.</a:t>
+            <a:rPr lang="en-US" sz="1900" kern="1200" dirty="0"/>
+            <a:t>Recent trends show promising results by combining neural network algorithms with traditional traffic management systems to improve accuracy and responsiveness.</a:t>
           </a:r>
         </a:p>
       </dsp:txBody>
@@ -4606,8 +4701,8 @@
             <a:buChar char="•"/>
           </a:pPr>
           <a:r>
-            <a:rPr lang="en-US" sz="1900" kern="1200"/>
-            <a:t>Studies showing integration of machine learning in traffic systems enhancing prediction accuracy and management flexibility.</a:t>
+            <a:rPr lang="en-US" sz="1900" kern="1200" dirty="0"/>
+            <a:t>Studies showing integration of neural network in traffic systems enhancing prediction accuracy and management flexibility.</a:t>
           </a:r>
         </a:p>
       </dsp:txBody>
@@ -8984,7 +9079,7 @@
             <a:fld id="{73C3BD54-29B9-3D42-B178-776ED395AA85}" type="datetimeFigureOut">
               <a:rPr lang="en-US" smtClean="0"/>
               <a:pPr/>
-              <a:t>4/17/24</a:t>
+              <a:t>4/20/2024</a:t>
             </a:fld>
             <a:endParaRPr lang="en-US" sz="1400"/>
           </a:p>
@@ -9182,7 +9277,7 @@
           <a:p>
             <a:fld id="{73C3BD54-29B9-3D42-B178-776ED395AA85}" type="datetimeFigureOut">
               <a:rPr lang="en-US" smtClean="0"/>
-              <a:t>4/17/24</a:t>
+              <a:t>4/20/2024</a:t>
             </a:fld>
             <a:endParaRPr lang="en-US"/>
           </a:p>
@@ -9390,7 +9485,7 @@
           <a:p>
             <a:fld id="{73C3BD54-29B9-3D42-B178-776ED395AA85}" type="datetimeFigureOut">
               <a:rPr lang="en-US" smtClean="0"/>
-              <a:t>4/17/24</a:t>
+              <a:t>4/20/2024</a:t>
             </a:fld>
             <a:endParaRPr lang="en-US"/>
           </a:p>
@@ -9588,7 +9683,7 @@
           <a:p>
             <a:fld id="{73C3BD54-29B9-3D42-B178-776ED395AA85}" type="datetimeFigureOut">
               <a:rPr lang="en-US" smtClean="0"/>
-              <a:t>4/17/24</a:t>
+              <a:t>4/20/2024</a:t>
             </a:fld>
             <a:endParaRPr lang="en-US"/>
           </a:p>
@@ -9863,7 +9958,7 @@
           <a:p>
             <a:fld id="{73C3BD54-29B9-3D42-B178-776ED395AA85}" type="datetimeFigureOut">
               <a:rPr lang="en-US" smtClean="0"/>
-              <a:t>4/17/24</a:t>
+              <a:t>4/20/2024</a:t>
             </a:fld>
             <a:endParaRPr lang="en-US"/>
           </a:p>
@@ -10128,7 +10223,7 @@
           <a:p>
             <a:fld id="{73C3BD54-29B9-3D42-B178-776ED395AA85}" type="datetimeFigureOut">
               <a:rPr lang="en-US" smtClean="0"/>
-              <a:t>4/17/24</a:t>
+              <a:t>4/20/2024</a:t>
             </a:fld>
             <a:endParaRPr lang="en-US"/>
           </a:p>
@@ -10540,7 +10635,7 @@
           <a:p>
             <a:fld id="{73C3BD54-29B9-3D42-B178-776ED395AA85}" type="datetimeFigureOut">
               <a:rPr lang="en-US" smtClean="0"/>
-              <a:t>4/17/24</a:t>
+              <a:t>4/20/2024</a:t>
             </a:fld>
             <a:endParaRPr lang="en-US"/>
           </a:p>
@@ -10681,7 +10776,7 @@
           <a:p>
             <a:fld id="{73C3BD54-29B9-3D42-B178-776ED395AA85}" type="datetimeFigureOut">
               <a:rPr lang="en-US" smtClean="0"/>
-              <a:t>4/17/24</a:t>
+              <a:t>4/20/2024</a:t>
             </a:fld>
             <a:endParaRPr lang="en-US"/>
           </a:p>
@@ -10794,7 +10889,7 @@
           <a:p>
             <a:fld id="{73C3BD54-29B9-3D42-B178-776ED395AA85}" type="datetimeFigureOut">
               <a:rPr lang="en-US" smtClean="0"/>
-              <a:t>4/17/24</a:t>
+              <a:t>4/20/2024</a:t>
             </a:fld>
             <a:endParaRPr lang="en-US"/>
           </a:p>
@@ -11105,7 +11200,7 @@
           <a:p>
             <a:fld id="{73C3BD54-29B9-3D42-B178-776ED395AA85}" type="datetimeFigureOut">
               <a:rPr lang="en-US" smtClean="0"/>
-              <a:t>4/17/24</a:t>
+              <a:t>4/20/2024</a:t>
             </a:fld>
             <a:endParaRPr lang="en-US"/>
           </a:p>
@@ -11393,7 +11488,7 @@
           <a:p>
             <a:fld id="{73C3BD54-29B9-3D42-B178-776ED395AA85}" type="datetimeFigureOut">
               <a:rPr lang="en-US" smtClean="0"/>
-              <a:t>4/17/24</a:t>
+              <a:t>4/20/2024</a:t>
             </a:fld>
             <a:endParaRPr lang="en-US"/>
           </a:p>
@@ -11635,7 +11730,7 @@
             <a:fld id="{73C3BD54-29B9-3D42-B178-776ED395AA85}" type="datetimeFigureOut">
               <a:rPr lang="en-US" smtClean="0"/>
               <a:pPr/>
-              <a:t>4/17/24</a:t>
+              <a:t>4/20/2024</a:t>
             </a:fld>
             <a:endParaRPr lang="en-US" dirty="0"/>
           </a:p>
@@ -12202,7 +12297,7 @@
             <a:pPr algn="l"/>
             <a:r>
               <a:rPr lang="en-US" sz="2800" dirty="0"/>
-              <a:t>Machine Learning Approach to Predicting Congestion at Key Junctions</a:t>
+              <a:t>Neural Network Approach to Predicting Congestion at Key Junctions</a:t>
             </a:r>
           </a:p>
         </p:txBody>
@@ -13725,18 +13820,22 @@
           </a:bodyPr>
           <a:lstStyle/>
           <a:p>
-            <a:pPr>
-              <a:buFont typeface="Arial" panose="020B0604020202020204" pitchFamily="34" charset="0"/>
-              <a:buChar char="•"/>
+            <a:pPr marL="0" indent="0" algn="ctr">
+              <a:buNone/>
             </a:pPr>
             <a:r>
-              <a:rPr lang="en-US" sz="2000" dirty="0" err="1"/>
-              <a:t>Athinarapu</a:t>
-            </a:r>
-            <a:r>
               <a:rPr lang="en-US" sz="2000" dirty="0"/>
-              <a:t> Raju Sagar</a:t>
-            </a:r>
+              <a:t>Athinarapu Raju Sagar - </a:t>
+            </a:r>
+            <a:r>
+              <a:rPr lang="uz-Latn-UZ" sz="2000" dirty="0">
+                <a:effectLst/>
+                <a:ea typeface="Calibri" panose="020F0502020204030204" pitchFamily="34" charset="0"/>
+                <a:cs typeface="Mangal" panose="02040503050203030202" pitchFamily="18" charset="0"/>
+              </a:rPr>
+              <a:t>700760049</a:t>
+            </a:r>
+            <a:endParaRPr lang="en-US" sz="2000" dirty="0"/>
           </a:p>
           <a:p>
             <a:pPr>
@@ -13746,17 +13845,12 @@
             <a:endParaRPr lang="en-US" sz="2000" dirty="0"/>
           </a:p>
           <a:p>
-            <a:pPr>
-              <a:buFont typeface="Arial" panose="020B0604020202020204" pitchFamily="34" charset="0"/>
-              <a:buChar char="•"/>
+            <a:pPr marL="0" indent="0" algn="ctr">
+              <a:buNone/>
             </a:pPr>
             <a:r>
-              <a:rPr lang="en-US" sz="2000" dirty="0" err="1"/>
-              <a:t>Lakkimsetti</a:t>
-            </a:r>
-            <a:r>
               <a:rPr lang="en-US" sz="2000" dirty="0"/>
-              <a:t> Bhanu Chandrika</a:t>
+              <a:t>Lakkimsetti Bhanu Chandrika - 700747439</a:t>
             </a:r>
           </a:p>
           <a:p>
@@ -13767,21 +13861,20 @@
             <a:endParaRPr lang="en-US" sz="2000" dirty="0"/>
           </a:p>
           <a:p>
-            <a:pPr>
-              <a:buFont typeface="Arial" panose="020B0604020202020204" pitchFamily="34" charset="0"/>
-              <a:buChar char="•"/>
+            <a:pPr marL="0" indent="0" algn="ctr">
+              <a:buNone/>
             </a:pPr>
             <a:r>
-              <a:rPr lang="en-US" sz="2000" dirty="0" err="1"/>
-              <a:t>Manasa</a:t>
-            </a:r>
-            <a:r>
               <a:rPr lang="en-US" sz="2000" dirty="0"/>
-              <a:t> </a:t>
-            </a:r>
-            <a:r>
-              <a:rPr lang="en-US" sz="2000" dirty="0" err="1"/>
-              <a:t>Vathumilli</a:t>
+              <a:t>Manasa Vathumilli - </a:t>
+            </a:r>
+            <a:r>
+              <a:rPr lang="uz-Latn-UZ" sz="2000" dirty="0">
+                <a:effectLst/>
+                <a:ea typeface="Calibri" panose="020F0502020204030204" pitchFamily="34" charset="0"/>
+                <a:cs typeface="Mangal" panose="02040503050203030202" pitchFamily="18" charset="0"/>
+              </a:rPr>
+              <a:t>700745467</a:t>
             </a:r>
             <a:endParaRPr lang="en-US" sz="2000" dirty="0"/>
           </a:p>
@@ -13793,21 +13886,20 @@
             <a:endParaRPr lang="en-US" sz="2000" dirty="0"/>
           </a:p>
           <a:p>
-            <a:pPr>
-              <a:buFont typeface="Arial" panose="020B0604020202020204" pitchFamily="34" charset="0"/>
-              <a:buChar char="•"/>
+            <a:pPr marL="0" indent="0" algn="ctr">
+              <a:buNone/>
             </a:pPr>
             <a:r>
-              <a:rPr lang="en-US" sz="2000" dirty="0" err="1"/>
-              <a:t>Eekshitha</a:t>
-            </a:r>
-            <a:r>
               <a:rPr lang="en-US" sz="2000" dirty="0"/>
-              <a:t> </a:t>
-            </a:r>
-            <a:r>
-              <a:rPr lang="en-US" sz="2000" dirty="0" err="1"/>
-              <a:t>Gujjala</a:t>
+              <a:t>Eekshitha Gujjala - </a:t>
+            </a:r>
+            <a:r>
+              <a:rPr lang="uz-Latn-UZ" sz="2000" dirty="0">
+                <a:effectLst/>
+                <a:ea typeface="Calibri" panose="020F0502020204030204" pitchFamily="34" charset="0"/>
+                <a:cs typeface="Mangal" panose="02040503050203030202" pitchFamily="18" charset="0"/>
+              </a:rPr>
+              <a:t>700741491</a:t>
             </a:r>
             <a:endParaRPr lang="en-US" sz="2000" dirty="0"/>
           </a:p>
@@ -13963,7 +14055,7 @@
           <p:nvPr>
             <p:extLst>
               <p:ext uri="{D42A27DB-BD31-4B8C-83A1-F6EECF244321}">
-                <p14:modId xmlns:p14="http://schemas.microsoft.com/office/powerpoint/2010/main" val="1858326769"/>
+                <p14:modId xmlns:p14="http://schemas.microsoft.com/office/powerpoint/2010/main" val="3621427761"/>
               </p:ext>
             </p:extLst>
           </p:nvPr>
@@ -14239,7 +14331,20 @@
                 <a:effectLst/>
                 <a:latin typeface="__tiempos_b6f14e"/>
               </a:rPr>
-              <a:t>Why Machine Learning?</a:t>
+              <a:t>Why </a:t>
+            </a:r>
+            <a:r>
+              <a:rPr lang="en-US" sz="2000" b="1" dirty="0">
+                <a:latin typeface="__tiempos_b6f14e"/>
+              </a:rPr>
+              <a:t>Neural Network</a:t>
+            </a:r>
+            <a:r>
+              <a:rPr lang="en-US" sz="2000" b="1" i="0" dirty="0">
+                <a:effectLst/>
+                <a:latin typeface="__tiempos_b6f14e"/>
+              </a:rPr>
+              <a:t> ?</a:t>
             </a:r>
           </a:p>
           <a:p>
@@ -14539,7 +14644,20 @@
                 <a:effectLst/>
                 <a:latin typeface="__tiempos_b6f14e"/>
               </a:rPr>
-              <a:t>Use machine learning, specifically Gated Recurrent Units (GRUs), to accurately predict traffic congestion at key urban intersections.</a:t>
+              <a:t>Use recurrent </a:t>
+            </a:r>
+            <a:r>
+              <a:rPr lang="en-US" sz="1800" dirty="0">
+                <a:latin typeface="__tiempos_b6f14e"/>
+              </a:rPr>
+              <a:t>neural network</a:t>
+            </a:r>
+            <a:r>
+              <a:rPr lang="en-US" sz="1800" i="0" dirty="0">
+                <a:effectLst/>
+                <a:latin typeface="__tiempos_b6f14e"/>
+              </a:rPr>
+              <a:t>, specifically Gated Recurrent Units (GRUs), to accurately predict traffic congestion at key urban intersections.</a:t>
             </a:r>
           </a:p>
           <a:p>
@@ -14876,7 +14994,7 @@
           <p:nvPr>
             <p:extLst>
               <p:ext uri="{D42A27DB-BD31-4B8C-83A1-F6EECF244321}">
-                <p14:modId xmlns:p14="http://schemas.microsoft.com/office/powerpoint/2010/main" val="3380285590"/>
+                <p14:modId xmlns:p14="http://schemas.microsoft.com/office/powerpoint/2010/main" val="2186364561"/>
               </p:ext>
             </p:extLst>
           </p:nvPr>
@@ -16745,7 +16863,7 @@
               <a:buChar char="•"/>
             </a:pPr>
             <a:r>
-              <a:rPr lang="en-US" sz="1100" b="1"/>
+              <a:rPr lang="en-US" sz="1100" b="1" dirty="0"/>
               <a:t>Model Training and Validation:</a:t>
             </a:r>
           </a:p>
@@ -16758,7 +16876,7 @@
               <a:buChar char="•"/>
             </a:pPr>
             <a:r>
-              <a:rPr lang="en-US" sz="1100"/>
+              <a:rPr lang="en-US" sz="1100" dirty="0"/>
               <a:t>Accuracy Metrics: Employing RMSE, MAE, and MAPE to evaluate model performance, ensuring robustness in predictions.</a:t>
             </a:r>
           </a:p>
@@ -16771,7 +16889,7 @@
               <a:buChar char="•"/>
             </a:pPr>
             <a:r>
-              <a:rPr lang="en-US" sz="1100"/>
+              <a:rPr lang="en-US" sz="1100" dirty="0"/>
               <a:t>Performance Over Time: Analysis of model's ability to learn and adapt to new data, maintaining accuracy across different traffic scenarios.</a:t>
             </a:r>
           </a:p>
@@ -16783,7 +16901,7 @@
               <a:buFont typeface="Arial" panose="020B0604020202020204" pitchFamily="34" charset="0"/>
               <a:buChar char="•"/>
             </a:pPr>
-            <a:endParaRPr lang="en-US" sz="1100"/>
+            <a:endParaRPr lang="en-US" sz="1100" dirty="0"/>
           </a:p>
           <a:p>
             <a:pPr marL="0">
@@ -16794,10 +16912,10 @@
               <a:buChar char="•"/>
             </a:pPr>
             <a:r>
-              <a:rPr lang="en-US" sz="1100" b="1"/>
+              <a:rPr lang="en-US" sz="1100" b="1" dirty="0"/>
               <a:t>Real-World Implementation Insights:</a:t>
             </a:r>
-            <a:endParaRPr lang="en-US" sz="1100"/>
+            <a:endParaRPr lang="en-US" sz="1100" dirty="0"/>
           </a:p>
           <a:p>
             <a:pPr lvl="1">
@@ -16808,7 +16926,7 @@
               <a:buChar char="•"/>
             </a:pPr>
             <a:r>
-              <a:rPr lang="en-US" sz="1100"/>
+              <a:rPr lang="en-US" sz="1100" dirty="0"/>
               <a:t>Case Studies: Demonstrating successful deployment in selected intersections, noting improvements in traffic flow and reduction in congestion.</a:t>
             </a:r>
           </a:p>
@@ -16821,7 +16939,7 @@
               <a:buChar char="•"/>
             </a:pPr>
             <a:r>
-              <a:rPr lang="en-US" sz="1100"/>
+              <a:rPr lang="en-US" sz="1100" dirty="0"/>
               <a:t>Feedback for Refinement: Collecting user and system feedback post-deployment to refine and optimize the model continuously.</a:t>
             </a:r>
           </a:p>
@@ -16833,7 +16951,7 @@
               <a:buFont typeface="Arial" panose="020B0604020202020204" pitchFamily="34" charset="0"/>
               <a:buChar char="•"/>
             </a:pPr>
-            <a:endParaRPr lang="en-US" sz="1100" b="1"/>
+            <a:endParaRPr lang="en-US" sz="1100" b="1" dirty="0"/>
           </a:p>
           <a:p>
             <a:pPr marL="0">
@@ -16844,10 +16962,10 @@
               <a:buChar char="•"/>
             </a:pPr>
             <a:r>
-              <a:rPr lang="en-US" sz="1100" b="1"/>
+              <a:rPr lang="en-US" sz="1100" b="1" dirty="0"/>
               <a:t>Future Prospects and Scalability:</a:t>
             </a:r>
-            <a:endParaRPr lang="en-US" sz="1100"/>
+            <a:endParaRPr lang="en-US" sz="1100" dirty="0"/>
           </a:p>
           <a:p>
             <a:pPr lvl="1">
@@ -16858,7 +16976,7 @@
               <a:buChar char="•"/>
             </a:pPr>
             <a:r>
-              <a:rPr lang="en-US" sz="1100"/>
+              <a:rPr lang="en-US" sz="1100" dirty="0"/>
               <a:t>Expansion Plans: Potential to scale the model to additional intersections and broader geographic areas.</a:t>
             </a:r>
           </a:p>
@@ -16871,8 +16989,8 @@
               <a:buChar char="•"/>
             </a:pPr>
             <a:r>
-              <a:rPr lang="en-US" sz="1100"/>
-              <a:t>Continuous Improvement: Ongoing development to integrate more comprehensive data sets and advanced machine learning techniques.</a:t>
+              <a:rPr lang="en-US" sz="1100" dirty="0"/>
+              <a:t>Continuous Improvement: Ongoing development to integrate more comprehensive data sets and advanced neural network techniques.</a:t>
             </a:r>
           </a:p>
         </p:txBody>
